--- a/S1_template.pptx
+++ b/S1_template.pptx
@@ -9410,7 +9410,7 @@
             </a:lvl9pPr>
           </a:lstStyle>
           <a:p>
-            <a:pPr marL="173038" marR="0" lvl="0" indent="-173038" algn="l" defTabSz="609585" rtl="0" eaLnBrk="1" fontAlgn="auto" latinLnBrk="0" hangingPunct="1">
+            <a:pPr marL="0" marR="0" lvl="0" indent="0" algn="l" defTabSz="609585" rtl="0" eaLnBrk="1" fontAlgn="auto" latinLnBrk="0" hangingPunct="1">
               <a:lnSpc>
                 <a:spcPct val="100000"/>
               </a:lnSpc>
@@ -9422,8 +9422,7 @@
               </a:spcAft>
               <a:buClrTx/>
               <a:buSzTx/>
-              <a:buFont typeface="Arial"/>
-              <a:buChar char="•"/>
+              <a:buNone/>
               <a:tabLst/>
               <a:defRPr/>
             </a:pPr>
@@ -11408,7 +11407,7 @@
             </a:lvl9pPr>
           </a:lstStyle>
           <a:p>
-            <a:pPr marL="112713" marR="0" lvl="0" indent="-112713" algn="l" defTabSz="457200" rtl="0" eaLnBrk="1" fontAlgn="auto" latinLnBrk="0" hangingPunct="1">
+            <a:pPr marL="0" marR="0" lvl="0" indent="0" algn="l" defTabSz="457200" rtl="0" eaLnBrk="1" fontAlgn="auto" latinLnBrk="0" hangingPunct="1">
               <a:lnSpc>
                 <a:spcPct val="110000"/>
               </a:lnSpc>
@@ -11420,8 +11419,7 @@
               </a:spcAft>
               <a:buClrTx/>
               <a:buSzPct val="75000"/>
-              <a:buFont typeface="Arial"/>
-              <a:buChar char="•"/>
+              <a:buNone/>
               <a:tabLst/>
               <a:defRPr/>
             </a:pPr>
@@ -14162,7 +14160,7 @@
             </a:lvl9pPr>
           </a:lstStyle>
           <a:p>
-            <a:pPr marL="112713" marR="0" lvl="0" indent="-112713" algn="l" defTabSz="457200" rtl="0" eaLnBrk="1" fontAlgn="auto" latinLnBrk="0" hangingPunct="1">
+            <a:pPr marL="0" marR="0" lvl="0" indent="0" algn="l" defTabSz="457200" rtl="0" eaLnBrk="1" fontAlgn="auto" latinLnBrk="0" hangingPunct="1">
               <a:lnSpc>
                 <a:spcPct val="110000"/>
               </a:lnSpc>
@@ -14174,8 +14172,7 @@
               </a:spcAft>
               <a:buClrTx/>
               <a:buSzPct val="75000"/>
-              <a:buFont typeface="Arial"/>
-              <a:buChar char="•"/>
+              <a:buNone/>
               <a:tabLst/>
               <a:defRPr/>
             </a:pPr>
@@ -24629,7 +24626,7 @@
             </a:lvl9pPr>
           </a:lstStyle>
           <a:p>
-            <a:pPr marL="112713" marR="0" lvl="0" indent="-112713" algn="l" defTabSz="457200" rtl="0" eaLnBrk="1" fontAlgn="auto" latinLnBrk="0" hangingPunct="1">
+            <a:pPr marL="0" marR="0" lvl="0" indent="0" algn="l" defTabSz="457200" rtl="0" eaLnBrk="1" fontAlgn="auto" latinLnBrk="0" hangingPunct="1">
               <a:lnSpc>
                 <a:spcPct val="110000"/>
               </a:lnSpc>
@@ -24641,8 +24638,7 @@
               </a:spcAft>
               <a:buClrTx/>
               <a:buSzPct val="75000"/>
-              <a:buFont typeface="Arial"/>
-              <a:buChar char="•"/>
+              <a:buNone/>
               <a:tabLst/>
               <a:defRPr/>
             </a:pPr>
@@ -26081,34 +26077,6 @@
 </file>
 
 <file path=customXml/item1.xml><?xml version="1.0" encoding="utf-8"?>
-<p:properties xmlns:p="http://schemas.microsoft.com/office/2006/metadata/properties" xmlns:xsi="http://www.w3.org/2001/XMLSchema-instance" xmlns:pc="http://schemas.microsoft.com/office/infopath/2007/PartnerControls">
-  <documentManagement>
-    <TaxCatchAll xmlns="7dce001d-1281-40ee-a1b6-628132495ae2" xsi:nil="true"/>
-    <lcf76f155ced4ddcb4097134ff3c332f xmlns="cfe56dc5-d589-4e55-999a-fdff11c1e771">
-      <Terms xmlns="http://schemas.microsoft.com/office/infopath/2007/PartnerControls"/>
-    </lcf76f155ced4ddcb4097134ff3c332f>
-    <MediaLengthInSeconds xmlns="cfe56dc5-d589-4e55-999a-fdff11c1e771" xsi:nil="true"/>
-    <SharedWithUsers xmlns="7dce001d-1281-40ee-a1b6-628132495ae2">
-      <UserInfo>
-        <DisplayName/>
-        <AccountId xsi:nil="true"/>
-        <AccountType/>
-      </UserInfo>
-    </SharedWithUsers>
-  </documentManagement>
-</p:properties>
-</file>
-
-<file path=customXml/item2.xml><?xml version="1.0" encoding="utf-8"?>
-<?mso-contentType ?>
-<FormTemplates xmlns="http://schemas.microsoft.com/sharepoint/v3/contenttype/forms">
-  <Display>DocumentLibraryForm</Display>
-  <Edit>DocumentLibraryForm</Edit>
-  <New>DocumentLibraryForm</New>
-</FormTemplates>
-</file>
-
-<file path=customXml/item3.xml><?xml version="1.0" encoding="utf-8"?>
 <ct:contentTypeSchema xmlns:ct="http://schemas.microsoft.com/office/2006/metadata/contentType" xmlns:ma="http://schemas.microsoft.com/office/2006/metadata/properties/metaAttributes" ct:_="" ma:_="" ma:contentTypeName="Document" ma:contentTypeID="0x010100EDD1532379E9AA449C2CC87A71750F85" ma:contentTypeVersion="15" ma:contentTypeDescription="Create a new document." ma:contentTypeScope="" ma:versionID="dc75ef2e49a492ba9107a79f8ab73f99">
   <xsd:schema xmlns:xsd="http://www.w3.org/2001/XMLSchema" xmlns:xs="http://www.w3.org/2001/XMLSchema" xmlns:p="http://schemas.microsoft.com/office/2006/metadata/properties" xmlns:ns2="cfe56dc5-d589-4e55-999a-fdff11c1e771" xmlns:ns3="7dce001d-1281-40ee-a1b6-628132495ae2" targetNamespace="http://schemas.microsoft.com/office/2006/metadata/properties" ma:root="true" ma:fieldsID="8eb7d7d17e5aa68397531b663104162b" ns2:_="" ns3:_="">
     <xsd:import namespace="cfe56dc5-d589-4e55-999a-fdff11c1e771"/>
@@ -26343,32 +26311,35 @@
 </ct:contentTypeSchema>
 </file>
 
-<file path=customXml/itemProps1.xml><?xml version="1.0" encoding="utf-8"?>
-<ds:datastoreItem xmlns:ds="http://schemas.openxmlformats.org/officeDocument/2006/customXml" ds:itemID="{B3F3334C-90CB-4618-A027-18A183EDF7A7}">
-  <ds:schemaRefs>
-    <ds:schemaRef ds:uri="http://purl.org/dc/elements/1.1/"/>
-    <ds:schemaRef ds:uri="http://schemas.microsoft.com/office/infopath/2007/PartnerControls"/>
-    <ds:schemaRef ds:uri="http://schemas.microsoft.com/office/2006/metadata/properties"/>
-    <ds:schemaRef ds:uri="http://schemas.openxmlformats.org/package/2006/metadata/core-properties"/>
-    <ds:schemaRef ds:uri="http://schemas.microsoft.com/office/2006/documentManagement/types"/>
-    <ds:schemaRef ds:uri="7dce001d-1281-40ee-a1b6-628132495ae2"/>
-    <ds:schemaRef ds:uri="http://purl.org/dc/dcmitype/"/>
-    <ds:schemaRef ds:uri="cfe56dc5-d589-4e55-999a-fdff11c1e771"/>
-    <ds:schemaRef ds:uri="http://www.w3.org/XML/1998/namespace"/>
-    <ds:schemaRef ds:uri="http://purl.org/dc/terms/"/>
-  </ds:schemaRefs>
-</ds:datastoreItem>
+<file path=customXml/item2.xml><?xml version="1.0" encoding="utf-8"?>
+<?mso-contentType ?>
+<FormTemplates xmlns="http://schemas.microsoft.com/sharepoint/v3/contenttype/forms">
+  <Display>DocumentLibraryForm</Display>
+  <Edit>DocumentLibraryForm</Edit>
+  <New>DocumentLibraryForm</New>
+</FormTemplates>
 </file>
 
-<file path=customXml/itemProps2.xml><?xml version="1.0" encoding="utf-8"?>
-<ds:datastoreItem xmlns:ds="http://schemas.openxmlformats.org/officeDocument/2006/customXml" ds:itemID="{AAAA7F56-A4DC-4563-8E14-69CBBAD0A99E}">
-  <ds:schemaRefs>
-    <ds:schemaRef ds:uri="http://schemas.microsoft.com/sharepoint/v3/contenttype/forms"/>
-  </ds:schemaRefs>
-</ds:datastoreItem>
+<file path=customXml/item3.xml><?xml version="1.0" encoding="utf-8"?>
+<p:properties xmlns:p="http://schemas.microsoft.com/office/2006/metadata/properties" xmlns:xsi="http://www.w3.org/2001/XMLSchema-instance" xmlns:pc="http://schemas.microsoft.com/office/infopath/2007/PartnerControls">
+  <documentManagement>
+    <TaxCatchAll xmlns="7dce001d-1281-40ee-a1b6-628132495ae2" xsi:nil="true"/>
+    <lcf76f155ced4ddcb4097134ff3c332f xmlns="cfe56dc5-d589-4e55-999a-fdff11c1e771">
+      <Terms xmlns="http://schemas.microsoft.com/office/infopath/2007/PartnerControls"/>
+    </lcf76f155ced4ddcb4097134ff3c332f>
+    <MediaLengthInSeconds xmlns="cfe56dc5-d589-4e55-999a-fdff11c1e771" xsi:nil="true"/>
+    <SharedWithUsers xmlns="7dce001d-1281-40ee-a1b6-628132495ae2">
+      <UserInfo>
+        <DisplayName/>
+        <AccountId xsi:nil="true"/>
+        <AccountType/>
+      </UserInfo>
+    </SharedWithUsers>
+  </documentManagement>
+</p:properties>
 </file>
 
-<file path=customXml/itemProps3.xml><?xml version="1.0" encoding="utf-8"?>
+<file path=customXml/itemProps1.xml><?xml version="1.0" encoding="utf-8"?>
 <ds:datastoreItem xmlns:ds="http://schemas.openxmlformats.org/officeDocument/2006/customXml" ds:itemID="{1F612C05-3448-44B8-80E7-AC8DF7E212D2}">
   <ds:schemaRefs>
     <ds:schemaRef ds:uri="7dce001d-1281-40ee-a1b6-628132495ae2"/>
@@ -26385,4 +26356,29 @@
     <ds:schemaRef ds:uri="http://www.w3.org/2001/XMLSchema"/>
   </ds:schemaRefs>
 </ds:datastoreItem>
+</file>
+
+<file path=customXml/itemProps2.xml><?xml version="1.0" encoding="utf-8"?>
+<ds:datastoreItem xmlns:ds="http://schemas.openxmlformats.org/officeDocument/2006/customXml" ds:itemID="{AAAA7F56-A4DC-4563-8E14-69CBBAD0A99E}">
+  <ds:schemaRefs>
+    <ds:schemaRef ds:uri="http://schemas.microsoft.com/sharepoint/v3/contenttype/forms"/>
+  </ds:schemaRefs>
+</ds:datastoreItem>
+</file>
+
+<file path=customXml/itemProps3.xml><?xml version="1.0" encoding="utf-8"?>
+<ds:datastoreItem xmlns:ds="http://schemas.openxmlformats.org/officeDocument/2006/customXml" ds:itemID="{B3F3334C-90CB-4618-A027-18A183EDF7A7}">
+  <ds:schemaRefs>
+    <ds:schemaRef ds:uri="http://purl.org/dc/elements/1.1/"/>
+    <ds:schemaRef ds:uri="http://schemas.microsoft.com/office/infopath/2007/PartnerControls"/>
+    <ds:schemaRef ds:uri="http://schemas.microsoft.com/office/2006/metadata/properties"/>
+    <ds:schemaRef ds:uri="http://schemas.openxmlformats.org/package/2006/metadata/core-properties"/>
+    <ds:schemaRef ds:uri="http://schemas.microsoft.com/office/2006/documentManagement/types"/>
+    <ds:schemaRef ds:uri="7dce001d-1281-40ee-a1b6-628132495ae2"/>
+    <ds:schemaRef ds:uri="http://purl.org/dc/dcmitype/"/>
+    <ds:schemaRef ds:uri="cfe56dc5-d589-4e55-999a-fdff11c1e771"/>
+    <ds:schemaRef ds:uri="http://www.w3.org/XML/1998/namespace"/>
+    <ds:schemaRef ds:uri="http://purl.org/dc/terms/"/>
+  </ds:schemaRefs>
+</ds:datastoreItem>
 </file>
--- a/S1_template.pptx
+++ b/S1_template.pptx
@@ -5905,14 +5905,14 @@
               </a:spcBef>
             </a:pPr>
             <a:r>
-              <a:rPr lang="en-US" dirty="0" err="1">
+              <a:rPr lang="en-US" noProof="1">
                 <a:solidFill>
                   <a:srgbClr val="FFFFFF"/>
                 </a:solidFill>
               </a:rPr>
               <a:t>CSF_Slide_Title</a:t>
             </a:r>
-            <a:endParaRPr spc="-5" dirty="0">
+            <a:endParaRPr lang="en-US" spc="-5" noProof="1">
               <a:solidFill>
                 <a:srgbClr val="FFFFFF"/>
               </a:solidFill>
@@ -5960,7 +5960,7 @@
               <a:defRPr/>
             </a:pPr>
             <a:r>
-              <a:rPr kumimoji="0" lang="en-US" sz="1600" b="0" i="0" u="none" strike="noStrike" kern="1200" cap="none" spc="0" normalizeH="0" baseline="0" noProof="0" dirty="0" err="1">
+              <a:rPr kumimoji="0" lang="en-US" sz="1600" b="0" i="0" u="none" strike="noStrike" kern="1200" cap="none" spc="0" normalizeH="0" baseline="0" noProof="1">
                 <a:ln>
                   <a:noFill/>
                 </a:ln>
@@ -5976,20 +5976,6 @@
               </a:rPr>
               <a:t>CSF_copy_one</a:t>
             </a:r>
-            <a:endParaRPr kumimoji="0" lang="en-US" sz="1600" b="0" i="0" u="none" strike="noStrike" kern="1200" cap="none" spc="0" normalizeH="0" baseline="0" noProof="0" dirty="0">
-              <a:ln>
-                <a:noFill/>
-              </a:ln>
-              <a:solidFill>
-                <a:srgbClr val="FFFFFF"/>
-              </a:solidFill>
-              <a:effectLst/>
-              <a:uLnTx/>
-              <a:uFillTx/>
-              <a:latin typeface="Arial"/>
-              <a:ea typeface="+mn-ea"/>
-              <a:cs typeface="+mn-cs"/>
-            </a:endParaRPr>
           </a:p>
           <a:p>
             <a:pPr marL="12700" marR="5080" lvl="0" indent="0" algn="l" defTabSz="914400" rtl="0" eaLnBrk="1" fontAlgn="auto" latinLnBrk="0" hangingPunct="1">
@@ -6065,7 +6051,7 @@
               <a:defRPr/>
             </a:pPr>
             <a:r>
-              <a:rPr kumimoji="0" lang="en-US" sz="1600" i="0" u="none" strike="noStrike" kern="1200" cap="none" spc="0" normalizeH="0" baseline="0" noProof="0" dirty="0" err="1">
+              <a:rPr kumimoji="0" lang="en-US" sz="1600" i="0" u="none" strike="noStrike" kern="1200" cap="none" spc="0" normalizeH="0" baseline="0" noProof="1">
                 <a:ln>
                   <a:noFill/>
                 </a:ln>
@@ -6081,7 +6067,7 @@
               </a:rPr>
               <a:t>CSF_copy_three</a:t>
             </a:r>
-            <a:endParaRPr kumimoji="0" lang="en-US" sz="1600" b="0" i="0" u="none" strike="noStrike" kern="1200" cap="none" spc="0" normalizeH="0" baseline="0" noProof="0" dirty="0">
+            <a:endParaRPr kumimoji="0" lang="en-US" sz="1600" b="0" i="0" u="none" strike="noStrike" kern="1200" cap="none" spc="0" normalizeH="0" baseline="0" noProof="1">
               <a:ln>
                 <a:noFill/>
               </a:ln>
@@ -6255,7 +6241,7 @@
               <a:defRPr/>
             </a:pPr>
             <a:r>
-              <a:rPr kumimoji="0" lang="en-US" sz="1800" b="1" i="0" u="none" strike="noStrike" kern="1200" cap="none" spc="300" normalizeH="0" baseline="0" noProof="0" dirty="0">
+              <a:rPr kumimoji="0" lang="en-US" sz="1800" b="1" i="0" u="none" strike="noStrike" kern="1200" cap="none" spc="300" normalizeH="0" baseline="0" noProof="1">
                 <a:ln>
                   <a:noFill/>
                 </a:ln>
@@ -6272,7 +6258,7 @@
               <a:t>CSF_</a:t>
             </a:r>
             <a:r>
-              <a:rPr lang="en-US" b="1" spc="300" dirty="0">
+              <a:rPr lang="en-US" b="1" spc="300" noProof="1">
                 <a:solidFill>
                   <a:srgbClr val="EB3300"/>
                 </a:solidFill>
@@ -6282,7 +6268,7 @@
               <a:t>area</a:t>
             </a:r>
             <a:r>
-              <a:rPr kumimoji="0" lang="en-US" sz="1800" b="1" i="0" u="none" strike="noStrike" kern="1200" cap="none" spc="300" normalizeH="0" baseline="0" noProof="0" dirty="0">
+              <a:rPr kumimoji="0" lang="en-US" sz="1800" b="1" i="0" u="none" strike="noStrike" kern="1200" cap="none" spc="300" normalizeH="0" baseline="0" noProof="1">
                 <a:ln>
                   <a:noFill/>
                 </a:ln>
@@ -6298,7 +6284,7 @@
               </a:rPr>
               <a:t>_one</a:t>
             </a:r>
-            <a:endParaRPr kumimoji="0" lang="en-US" sz="1800" b="0" i="0" u="none" strike="noStrike" kern="1200" cap="none" spc="300" normalizeH="0" baseline="0" noProof="0" dirty="0">
+            <a:endParaRPr kumimoji="0" lang="en-US" sz="1800" b="0" i="0" u="none" strike="noStrike" kern="1200" cap="none" spc="300" normalizeH="0" baseline="0" noProof="1">
               <a:ln>
                 <a:noFill/>
               </a:ln>
@@ -6354,7 +6340,7 @@
               <a:defRPr/>
             </a:pPr>
             <a:r>
-              <a:rPr kumimoji="0" lang="en-US" sz="1800" b="1" i="0" u="none" strike="noStrike" kern="1200" cap="none" spc="300" normalizeH="0" baseline="0" noProof="0" dirty="0">
+              <a:rPr kumimoji="0" lang="en-US" sz="1800" b="1" i="0" u="none" strike="noStrike" kern="1200" cap="none" spc="300" normalizeH="0" baseline="0" noProof="1">
                 <a:ln>
                   <a:noFill/>
                 </a:ln>
@@ -6371,7 +6357,7 @@
               <a:t>CSF_</a:t>
             </a:r>
             <a:r>
-              <a:rPr lang="en-US" b="1" spc="300" dirty="0" err="1">
+              <a:rPr lang="en-US" b="1" spc="300" noProof="1">
                 <a:solidFill>
                   <a:srgbClr val="FF671F"/>
                 </a:solidFill>
@@ -6380,7 +6366,7 @@
               </a:rPr>
               <a:t>area_three</a:t>
             </a:r>
-            <a:endParaRPr kumimoji="0" lang="en-US" sz="1800" b="0" i="0" u="none" strike="noStrike" kern="1200" cap="none" spc="300" normalizeH="0" baseline="0" noProof="0" dirty="0">
+            <a:endParaRPr kumimoji="0" lang="en-US" sz="1800" b="0" i="0" u="none" strike="noStrike" kern="1200" cap="none" spc="300" normalizeH="0" baseline="0" noProof="1">
               <a:ln>
                 <a:noFill/>
               </a:ln>
@@ -6436,7 +6422,7 @@
               <a:defRPr/>
             </a:pPr>
             <a:r>
-              <a:rPr kumimoji="0" lang="en-US" sz="1800" b="1" i="0" u="none" strike="noStrike" kern="1200" cap="none" spc="300" normalizeH="0" baseline="0" noProof="0" dirty="0" err="1">
+              <a:rPr kumimoji="0" lang="en-US" sz="1800" b="1" i="0" u="none" strike="noStrike" kern="1200" cap="none" spc="300" normalizeH="0" baseline="0" noProof="1">
                 <a:ln>
                   <a:noFill/>
                 </a:ln>
@@ -6453,7 +6439,7 @@
               <a:t>CSF_area</a:t>
             </a:r>
             <a:r>
-              <a:rPr lang="en-US" b="1" spc="300" dirty="0">
+              <a:rPr lang="en-US" b="1" spc="300" noProof="1">
                 <a:solidFill>
                   <a:srgbClr val="FF9E1B"/>
                 </a:solidFill>
@@ -6463,7 +6449,7 @@
               <a:t>_</a:t>
             </a:r>
             <a:r>
-              <a:rPr kumimoji="0" lang="en-US" sz="1800" b="1" i="0" u="none" strike="noStrike" kern="1200" cap="none" spc="300" normalizeH="0" baseline="0" noProof="0" dirty="0">
+              <a:rPr kumimoji="0" lang="en-US" sz="1800" b="1" i="0" u="none" strike="noStrike" kern="1200" cap="none" spc="300" normalizeH="0" baseline="0" noProof="1">
                 <a:ln>
                   <a:noFill/>
                 </a:ln>
@@ -8407,7 +8393,7 @@
               <a:defRPr/>
             </a:pPr>
             <a:r>
-              <a:rPr kumimoji="0" lang="en-US" sz="1600" b="0" i="0" u="none" strike="noStrike" kern="1200" cap="none" spc="0" normalizeH="0" baseline="0" noProof="0" dirty="0" err="1">
+              <a:rPr kumimoji="0" lang="en-US" sz="1600" b="0" i="0" u="none" strike="noStrike" kern="1200" cap="none" spc="0" normalizeH="0" baseline="0" noProof="1">
                 <a:ln>
                   <a:noFill/>
                 </a:ln>
@@ -8421,27 +8407,10 @@
                 <a:ea typeface="+mn-ea"/>
                 <a:cs typeface="+mn-cs"/>
               </a:rPr>
-              <a:t>CSF_copy</a:t>
+              <a:t>CSF_copy_</a:t>
             </a:r>
             <a:r>
-              <a:rPr kumimoji="0" lang="en-US" sz="1600" b="0" i="0" u="none" strike="noStrike" kern="1200" cap="none" spc="0" normalizeH="0" baseline="0" noProof="0" dirty="0">
-                <a:ln>
-                  <a:noFill/>
-                </a:ln>
-                <a:solidFill>
-                  <a:srgbClr val="FFFFFF"/>
-                </a:solidFill>
-                <a:effectLst/>
-                <a:uLnTx/>
-                <a:uFillTx/>
-                <a:latin typeface="Arial"/>
-                <a:ea typeface="+mn-ea"/>
-                <a:cs typeface="+mn-cs"/>
-              </a:rPr>
-              <a:t>_</a:t>
-            </a:r>
-            <a:r>
-              <a:rPr lang="en-US" sz="1600">
+              <a:rPr lang="en-US" sz="1600" noProof="1">
                 <a:solidFill>
                   <a:srgbClr val="FFFFFF"/>
                 </a:solidFill>
@@ -8449,7 +8418,7 @@
               </a:rPr>
               <a:t>two</a:t>
             </a:r>
-            <a:endParaRPr kumimoji="0" lang="en-US" sz="1600" b="0" i="0" u="none" strike="noStrike" kern="1200" cap="none" spc="0" normalizeH="0" baseline="0" noProof="0" dirty="0">
+            <a:endParaRPr kumimoji="0" lang="en-US" sz="1600" b="0" i="0" u="none" strike="noStrike" kern="1200" cap="none" spc="0" normalizeH="0" baseline="0" noProof="1">
               <a:ln>
                 <a:noFill/>
               </a:ln>
@@ -8551,10 +8520,9 @@
           <a:lstStyle/>
           <a:p>
             <a:r>
-              <a:rPr lang="en-US" dirty="0" err="1"/>
+              <a:rPr lang="en-US" noProof="1"/>
               <a:t>Considerations_Slide_Title</a:t>
             </a:r>
-            <a:endParaRPr lang="en-US" dirty="0"/>
           </a:p>
         </p:txBody>
       </p:sp>
@@ -9204,7 +9172,7 @@
               <a:defRPr/>
             </a:pPr>
             <a:r>
-              <a:rPr kumimoji="0" lang="en-US" sz="1600" b="1" i="0" u="none" strike="noStrike" kern="0" cap="none" spc="300" normalizeH="0" baseline="0" noProof="0" dirty="0">
+              <a:rPr kumimoji="0" lang="en-US" sz="1600" b="1" i="0" u="none" strike="noStrike" kern="0" cap="none" spc="300" normalizeH="0" baseline="0" noProof="1">
                 <a:ln>
                   <a:noFill/>
                 </a:ln>
@@ -9427,7 +9395,7 @@
               <a:defRPr/>
             </a:pPr>
             <a:r>
-              <a:rPr kumimoji="0" lang="en-US" sz="1200" i="0" u="none" strike="noStrike" kern="1200" cap="none" spc="0" normalizeH="0" baseline="0" noProof="0" dirty="0">
+              <a:rPr kumimoji="0" lang="en-US" sz="1200" i="0" u="none" strike="noStrike" kern="1200" cap="none" spc="0" normalizeH="0" baseline="0" noProof="1">
                 <a:ln>
                   <a:noFill/>
                 </a:ln>
@@ -9443,7 +9411,7 @@
               </a:rPr>
               <a:t>Consideration_1_bullets</a:t>
             </a:r>
-            <a:endParaRPr kumimoji="0" lang="en-US" sz="1200" i="0" u="none" strike="noStrike" kern="1200" cap="none" spc="0" normalizeH="0" baseline="0" noProof="0" dirty="0">
+            <a:endParaRPr kumimoji="0" lang="en-US" sz="1200" i="0" u="none" strike="noStrike" kern="1200" cap="none" spc="0" normalizeH="0" baseline="0" noProof="1">
               <a:ln>
                 <a:noFill/>
               </a:ln>
@@ -11181,7 +11149,7 @@
               <a:defRPr/>
             </a:pPr>
             <a:r>
-              <a:rPr kumimoji="0" lang="en-US" sz="1600" b="1" i="0" u="none" strike="noStrike" kern="0" cap="none" spc="300" normalizeH="0" baseline="0" noProof="0" dirty="0">
+              <a:rPr kumimoji="0" lang="en-US" sz="1600" b="1" i="0" u="none" strike="noStrike" kern="0" cap="none" spc="300" normalizeH="0" baseline="0" noProof="1">
                 <a:ln>
                   <a:noFill/>
                 </a:ln>
@@ -11424,7 +11392,7 @@
               <a:defRPr/>
             </a:pPr>
             <a:r>
-              <a:rPr lang="en-US" sz="1200" dirty="0">
+              <a:rPr lang="en-US" sz="1200" noProof="1">
                 <a:solidFill>
                   <a:srgbClr val="002E5D"/>
                 </a:solidFill>
@@ -11432,7 +11400,7 @@
               </a:rPr>
               <a:t>Consideration_3_bullets</a:t>
             </a:r>
-            <a:endParaRPr kumimoji="0" lang="en-US" sz="1200" i="0" u="none" strike="noStrike" kern="1200" cap="none" spc="0" normalizeH="0" baseline="0" noProof="0" dirty="0">
+            <a:endParaRPr kumimoji="0" lang="en-US" sz="1200" i="0" u="none" strike="noStrike" kern="1200" cap="none" spc="0" normalizeH="0" baseline="0" noProof="1">
               <a:ln>
                 <a:noFill/>
               </a:ln>
@@ -13934,7 +13902,7 @@
               <a:defRPr/>
             </a:pPr>
             <a:r>
-              <a:rPr kumimoji="0" lang="en-US" sz="1600" b="1" i="0" u="none" strike="noStrike" kern="0" cap="none" spc="300" normalizeH="0" baseline="0" noProof="0" dirty="0">
+              <a:rPr kumimoji="0" lang="en-US" sz="1600" b="1" i="0" u="none" strike="noStrike" kern="0" cap="none" spc="300" normalizeH="0" baseline="0" noProof="1">
                 <a:ln>
                   <a:noFill/>
                 </a:ln>
@@ -14177,7 +14145,7 @@
               <a:defRPr/>
             </a:pPr>
             <a:r>
-              <a:rPr lang="en-US" sz="1200" dirty="0">
+              <a:rPr lang="en-US" sz="1200" noProof="1">
                 <a:solidFill>
                   <a:srgbClr val="002E5D"/>
                 </a:solidFill>
@@ -14185,7 +14153,7 @@
               </a:rPr>
               <a:t>Consideration_2_bullets</a:t>
             </a:r>
-            <a:endParaRPr kumimoji="0" lang="en-US" sz="1200" i="0" u="none" strike="noStrike" kern="1200" cap="none" spc="0" normalizeH="0" baseline="0" noProof="0" dirty="0">
+            <a:endParaRPr kumimoji="0" lang="en-US" sz="1200" i="0" u="none" strike="noStrike" kern="1200" cap="none" spc="0" normalizeH="0" baseline="0" noProof="1">
               <a:ln>
                 <a:noFill/>
               </a:ln>
@@ -24400,7 +24368,7 @@
               <a:defRPr/>
             </a:pPr>
             <a:r>
-              <a:rPr kumimoji="0" lang="en-US" sz="1600" b="1" i="0" u="none" strike="noStrike" kern="0" cap="none" spc="300" normalizeH="0" baseline="0" noProof="0" dirty="0">
+              <a:rPr kumimoji="0" lang="en-US" sz="1600" b="1" i="0" u="none" strike="noStrike" kern="0" cap="none" spc="300" normalizeH="0" baseline="0" noProof="1">
                 <a:ln>
                   <a:noFill/>
                 </a:ln>
@@ -24643,7 +24611,7 @@
               <a:defRPr/>
             </a:pPr>
             <a:r>
-              <a:rPr lang="en-US" sz="1200" dirty="0">
+              <a:rPr lang="en-US" sz="1200" noProof="1">
                 <a:solidFill>
                   <a:srgbClr val="002E5D"/>
                 </a:solidFill>
@@ -24651,7 +24619,7 @@
               </a:rPr>
               <a:t>Consideration_4_bullets</a:t>
             </a:r>
-            <a:endParaRPr kumimoji="0" lang="en-US" sz="1200" i="0" u="none" strike="noStrike" kern="1200" cap="none" spc="0" normalizeH="0" baseline="0" noProof="0" dirty="0">
+            <a:endParaRPr kumimoji="0" lang="en-US" sz="1200" i="0" u="none" strike="noStrike" kern="1200" cap="none" spc="0" normalizeH="0" baseline="0" noProof="1">
               <a:ln>
                 <a:noFill/>
               </a:ln>
@@ -26077,6 +26045,34 @@
 </file>
 
 <file path=customXml/item1.xml><?xml version="1.0" encoding="utf-8"?>
+<p:properties xmlns:p="http://schemas.microsoft.com/office/2006/metadata/properties" xmlns:xsi="http://www.w3.org/2001/XMLSchema-instance" xmlns:pc="http://schemas.microsoft.com/office/infopath/2007/PartnerControls">
+  <documentManagement>
+    <TaxCatchAll xmlns="7dce001d-1281-40ee-a1b6-628132495ae2" xsi:nil="true"/>
+    <lcf76f155ced4ddcb4097134ff3c332f xmlns="cfe56dc5-d589-4e55-999a-fdff11c1e771">
+      <Terms xmlns="http://schemas.microsoft.com/office/infopath/2007/PartnerControls"/>
+    </lcf76f155ced4ddcb4097134ff3c332f>
+    <MediaLengthInSeconds xmlns="cfe56dc5-d589-4e55-999a-fdff11c1e771" xsi:nil="true"/>
+    <SharedWithUsers xmlns="7dce001d-1281-40ee-a1b6-628132495ae2">
+      <UserInfo>
+        <DisplayName/>
+        <AccountId xsi:nil="true"/>
+        <AccountType/>
+      </UserInfo>
+    </SharedWithUsers>
+  </documentManagement>
+</p:properties>
+</file>
+
+<file path=customXml/item2.xml><?xml version="1.0" encoding="utf-8"?>
+<?mso-contentType ?>
+<FormTemplates xmlns="http://schemas.microsoft.com/sharepoint/v3/contenttype/forms">
+  <Display>DocumentLibraryForm</Display>
+  <Edit>DocumentLibraryForm</Edit>
+  <New>DocumentLibraryForm</New>
+</FormTemplates>
+</file>
+
+<file path=customXml/item3.xml><?xml version="1.0" encoding="utf-8"?>
 <ct:contentTypeSchema xmlns:ct="http://schemas.microsoft.com/office/2006/metadata/contentType" xmlns:ma="http://schemas.microsoft.com/office/2006/metadata/properties/metaAttributes" ct:_="" ma:_="" ma:contentTypeName="Document" ma:contentTypeID="0x010100EDD1532379E9AA449C2CC87A71750F85" ma:contentTypeVersion="15" ma:contentTypeDescription="Create a new document." ma:contentTypeScope="" ma:versionID="dc75ef2e49a492ba9107a79f8ab73f99">
   <xsd:schema xmlns:xsd="http://www.w3.org/2001/XMLSchema" xmlns:xs="http://www.w3.org/2001/XMLSchema" xmlns:p="http://schemas.microsoft.com/office/2006/metadata/properties" xmlns:ns2="cfe56dc5-d589-4e55-999a-fdff11c1e771" xmlns:ns3="7dce001d-1281-40ee-a1b6-628132495ae2" targetNamespace="http://schemas.microsoft.com/office/2006/metadata/properties" ma:root="true" ma:fieldsID="8eb7d7d17e5aa68397531b663104162b" ns2:_="" ns3:_="">
     <xsd:import namespace="cfe56dc5-d589-4e55-999a-fdff11c1e771"/>
@@ -26311,35 +26307,32 @@
 </ct:contentTypeSchema>
 </file>
 
-<file path=customXml/item2.xml><?xml version="1.0" encoding="utf-8"?>
-<?mso-contentType ?>
-<FormTemplates xmlns="http://schemas.microsoft.com/sharepoint/v3/contenttype/forms">
-  <Display>DocumentLibraryForm</Display>
-  <Edit>DocumentLibraryForm</Edit>
-  <New>DocumentLibraryForm</New>
-</FormTemplates>
+<file path=customXml/itemProps1.xml><?xml version="1.0" encoding="utf-8"?>
+<ds:datastoreItem xmlns:ds="http://schemas.openxmlformats.org/officeDocument/2006/customXml" ds:itemID="{B3F3334C-90CB-4618-A027-18A183EDF7A7}">
+  <ds:schemaRefs>
+    <ds:schemaRef ds:uri="http://purl.org/dc/elements/1.1/"/>
+    <ds:schemaRef ds:uri="http://schemas.microsoft.com/office/infopath/2007/PartnerControls"/>
+    <ds:schemaRef ds:uri="http://schemas.microsoft.com/office/2006/metadata/properties"/>
+    <ds:schemaRef ds:uri="http://schemas.openxmlformats.org/package/2006/metadata/core-properties"/>
+    <ds:schemaRef ds:uri="http://schemas.microsoft.com/office/2006/documentManagement/types"/>
+    <ds:schemaRef ds:uri="7dce001d-1281-40ee-a1b6-628132495ae2"/>
+    <ds:schemaRef ds:uri="http://purl.org/dc/dcmitype/"/>
+    <ds:schemaRef ds:uri="cfe56dc5-d589-4e55-999a-fdff11c1e771"/>
+    <ds:schemaRef ds:uri="http://www.w3.org/XML/1998/namespace"/>
+    <ds:schemaRef ds:uri="http://purl.org/dc/terms/"/>
+  </ds:schemaRefs>
+</ds:datastoreItem>
 </file>
 
-<file path=customXml/item3.xml><?xml version="1.0" encoding="utf-8"?>
-<p:properties xmlns:p="http://schemas.microsoft.com/office/2006/metadata/properties" xmlns:xsi="http://www.w3.org/2001/XMLSchema-instance" xmlns:pc="http://schemas.microsoft.com/office/infopath/2007/PartnerControls">
-  <documentManagement>
-    <TaxCatchAll xmlns="7dce001d-1281-40ee-a1b6-628132495ae2" xsi:nil="true"/>
-    <lcf76f155ced4ddcb4097134ff3c332f xmlns="cfe56dc5-d589-4e55-999a-fdff11c1e771">
-      <Terms xmlns="http://schemas.microsoft.com/office/infopath/2007/PartnerControls"/>
-    </lcf76f155ced4ddcb4097134ff3c332f>
-    <MediaLengthInSeconds xmlns="cfe56dc5-d589-4e55-999a-fdff11c1e771" xsi:nil="true"/>
-    <SharedWithUsers xmlns="7dce001d-1281-40ee-a1b6-628132495ae2">
-      <UserInfo>
-        <DisplayName/>
-        <AccountId xsi:nil="true"/>
-        <AccountType/>
-      </UserInfo>
-    </SharedWithUsers>
-  </documentManagement>
-</p:properties>
+<file path=customXml/itemProps2.xml><?xml version="1.0" encoding="utf-8"?>
+<ds:datastoreItem xmlns:ds="http://schemas.openxmlformats.org/officeDocument/2006/customXml" ds:itemID="{AAAA7F56-A4DC-4563-8E14-69CBBAD0A99E}">
+  <ds:schemaRefs>
+    <ds:schemaRef ds:uri="http://schemas.microsoft.com/sharepoint/v3/contenttype/forms"/>
+  </ds:schemaRefs>
+</ds:datastoreItem>
 </file>
 
-<file path=customXml/itemProps1.xml><?xml version="1.0" encoding="utf-8"?>
+<file path=customXml/itemProps3.xml><?xml version="1.0" encoding="utf-8"?>
 <ds:datastoreItem xmlns:ds="http://schemas.openxmlformats.org/officeDocument/2006/customXml" ds:itemID="{1F612C05-3448-44B8-80E7-AC8DF7E212D2}">
   <ds:schemaRefs>
     <ds:schemaRef ds:uri="7dce001d-1281-40ee-a1b6-628132495ae2"/>
@@ -26356,29 +26349,4 @@
     <ds:schemaRef ds:uri="http://www.w3.org/2001/XMLSchema"/>
   </ds:schemaRefs>
 </ds:datastoreItem>
-</file>
-
-<file path=customXml/itemProps2.xml><?xml version="1.0" encoding="utf-8"?>
-<ds:datastoreItem xmlns:ds="http://schemas.openxmlformats.org/officeDocument/2006/customXml" ds:itemID="{AAAA7F56-A4DC-4563-8E14-69CBBAD0A99E}">
-  <ds:schemaRefs>
-    <ds:schemaRef ds:uri="http://schemas.microsoft.com/sharepoint/v3/contenttype/forms"/>
-  </ds:schemaRefs>
-</ds:datastoreItem>
-</file>
-
-<file path=customXml/itemProps3.xml><?xml version="1.0" encoding="utf-8"?>
-<ds:datastoreItem xmlns:ds="http://schemas.openxmlformats.org/officeDocument/2006/customXml" ds:itemID="{B3F3334C-90CB-4618-A027-18A183EDF7A7}">
-  <ds:schemaRefs>
-    <ds:schemaRef ds:uri="http://purl.org/dc/elements/1.1/"/>
-    <ds:schemaRef ds:uri="http://schemas.microsoft.com/office/infopath/2007/PartnerControls"/>
-    <ds:schemaRef ds:uri="http://schemas.microsoft.com/office/2006/metadata/properties"/>
-    <ds:schemaRef ds:uri="http://schemas.openxmlformats.org/package/2006/metadata/core-properties"/>
-    <ds:schemaRef ds:uri="http://schemas.microsoft.com/office/2006/documentManagement/types"/>
-    <ds:schemaRef ds:uri="7dce001d-1281-40ee-a1b6-628132495ae2"/>
-    <ds:schemaRef ds:uri="http://purl.org/dc/dcmitype/"/>
-    <ds:schemaRef ds:uri="cfe56dc5-d589-4e55-999a-fdff11c1e771"/>
-    <ds:schemaRef ds:uri="http://www.w3.org/XML/1998/namespace"/>
-    <ds:schemaRef ds:uri="http://purl.org/dc/terms/"/>
-  </ds:schemaRefs>
-</ds:datastoreItem>
 </file>
--- a/S1_template.pptx
+++ b/S1_template.pptx
@@ -9207,8 +9207,8 @@
         </p:nvSpPr>
         <p:spPr bwMode="auto">
           <a:xfrm>
-            <a:off x="609600" y="3107273"/>
-            <a:ext cx="2597147" cy="2876723"/>
+            <a:off x="757885" y="3107273"/>
+            <a:ext cx="2362798" cy="2876723"/>
           </a:xfrm>
           <a:prstGeom prst="rect">
             <a:avLst/>
@@ -9378,20 +9378,11 @@
             </a:lvl9pPr>
           </a:lstStyle>
           <a:p>
-            <a:pPr marL="0" marR="0" lvl="0" indent="0" algn="l" defTabSz="609585" rtl="0" eaLnBrk="1" fontAlgn="auto" latinLnBrk="0" hangingPunct="1">
-              <a:lnSpc>
-                <a:spcPct val="100000"/>
-              </a:lnSpc>
-              <a:spcBef>
-                <a:spcPct val="20000"/>
-              </a:spcBef>
+            <a:pPr marL="0" indent="0">
               <a:spcAft>
                 <a:spcPts val="600"/>
               </a:spcAft>
-              <a:buClrTx/>
-              <a:buSzTx/>
               <a:buNone/>
-              <a:tabLst/>
               <a:defRPr/>
             </a:pPr>
             <a:r>
@@ -9409,7 +9400,7 @@
                 <a:ea typeface="+mn-ea"/>
                 <a:cs typeface="+mn-cs"/>
               </a:rPr>
-              <a:t>Consideration_1_bullets</a:t>
+              <a:t>- Consideration_1_bullets</a:t>
             </a:r>
             <a:endParaRPr kumimoji="0" lang="en-US" sz="1200" i="0" u="none" strike="noStrike" kern="1200" cap="none" spc="0" normalizeH="0" baseline="0" noProof="1">
               <a:ln>
@@ -11184,8 +11175,8 @@
         </p:nvSpPr>
         <p:spPr bwMode="auto">
           <a:xfrm>
-            <a:off x="6034666" y="3107273"/>
-            <a:ext cx="2841812" cy="2876723"/>
+            <a:off x="6306520" y="3107273"/>
+            <a:ext cx="2362798" cy="2876723"/>
           </a:xfrm>
           <a:prstGeom prst="rect">
             <a:avLst/>
@@ -11398,7 +11389,7 @@
                 </a:solidFill>
                 <a:latin typeface="Arial"/>
               </a:rPr>
-              <a:t>Consideration_3_bullets</a:t>
+              <a:t>- Consideration_3_bullets</a:t>
             </a:r>
             <a:endParaRPr kumimoji="0" lang="en-US" sz="1200" i="0" u="none" strike="noStrike" kern="1200" cap="none" spc="0" normalizeH="0" baseline="0" noProof="1">
               <a:ln>
@@ -13937,8 +13928,8 @@
         </p:nvSpPr>
         <p:spPr bwMode="auto">
           <a:xfrm>
-            <a:off x="3385153" y="3107631"/>
-            <a:ext cx="2613542" cy="2873369"/>
+            <a:off x="3582865" y="3107631"/>
+            <a:ext cx="2362798" cy="2873369"/>
           </a:xfrm>
           <a:prstGeom prst="rect">
             <a:avLst/>
@@ -14151,7 +14142,7 @@
                 </a:solidFill>
                 <a:latin typeface="Arial"/>
               </a:rPr>
-              <a:t>Consideration_2_bullets</a:t>
+              <a:t>- Consideration_2_bullets</a:t>
             </a:r>
             <a:endParaRPr kumimoji="0" lang="en-US" sz="1200" i="0" u="none" strike="noStrike" kern="1200" cap="none" spc="0" normalizeH="0" baseline="0" noProof="1">
               <a:ln>
@@ -22928,129 +22919,6 @@
           </p:txBody>
         </p:sp>
       </p:grpSp>
-      <p:cxnSp>
-        <p:nvCxnSpPr>
-          <p:cNvPr id="99" name="Straight Connector 98">
-            <a:extLst>
-              <a:ext uri="{FF2B5EF4-FFF2-40B4-BE49-F238E27FC236}">
-                <a16:creationId xmlns:a16="http://schemas.microsoft.com/office/drawing/2014/main" id="{C08FAD34-C09B-81B7-5C97-14089E6EB227}"/>
-              </a:ext>
-            </a:extLst>
-          </p:cNvPr>
-          <p:cNvCxnSpPr/>
-          <p:nvPr/>
-        </p:nvCxnSpPr>
-        <p:spPr>
-          <a:xfrm flipH="1">
-            <a:off x="3267375" y="3019154"/>
-            <a:ext cx="0" cy="2834640"/>
-          </a:xfrm>
-          <a:prstGeom prst="line">
-            <a:avLst/>
-          </a:prstGeom>
-          <a:ln>
-            <a:solidFill>
-              <a:schemeClr val="bg2"/>
-            </a:solidFill>
-          </a:ln>
-        </p:spPr>
-        <p:style>
-          <a:lnRef idx="1">
-            <a:schemeClr val="accent1"/>
-          </a:lnRef>
-          <a:fillRef idx="0">
-            <a:schemeClr val="accent1"/>
-          </a:fillRef>
-          <a:effectRef idx="0">
-            <a:schemeClr val="accent1"/>
-          </a:effectRef>
-          <a:fontRef idx="minor">
-            <a:schemeClr val="tx1"/>
-          </a:fontRef>
-        </p:style>
-      </p:cxnSp>
-      <p:cxnSp>
-        <p:nvCxnSpPr>
-          <p:cNvPr id="100" name="Straight Connector 99">
-            <a:extLst>
-              <a:ext uri="{FF2B5EF4-FFF2-40B4-BE49-F238E27FC236}">
-                <a16:creationId xmlns:a16="http://schemas.microsoft.com/office/drawing/2014/main" id="{8350F660-D48C-5E7F-2FB0-BBDAAFD0959F}"/>
-              </a:ext>
-            </a:extLst>
-          </p:cNvPr>
-          <p:cNvCxnSpPr/>
-          <p:nvPr/>
-        </p:nvCxnSpPr>
-        <p:spPr>
-          <a:xfrm flipH="1">
-            <a:off x="5891308" y="3019154"/>
-            <a:ext cx="0" cy="2834640"/>
-          </a:xfrm>
-          <a:prstGeom prst="line">
-            <a:avLst/>
-          </a:prstGeom>
-          <a:ln>
-            <a:solidFill>
-              <a:schemeClr val="bg2"/>
-            </a:solidFill>
-          </a:ln>
-        </p:spPr>
-        <p:style>
-          <a:lnRef idx="1">
-            <a:schemeClr val="accent1"/>
-          </a:lnRef>
-          <a:fillRef idx="0">
-            <a:schemeClr val="accent1"/>
-          </a:fillRef>
-          <a:effectRef idx="0">
-            <a:schemeClr val="accent1"/>
-          </a:effectRef>
-          <a:fontRef idx="minor">
-            <a:schemeClr val="tx1"/>
-          </a:fontRef>
-        </p:style>
-      </p:cxnSp>
-      <p:cxnSp>
-        <p:nvCxnSpPr>
-          <p:cNvPr id="101" name="Straight Connector 100">
-            <a:extLst>
-              <a:ext uri="{FF2B5EF4-FFF2-40B4-BE49-F238E27FC236}">
-                <a16:creationId xmlns:a16="http://schemas.microsoft.com/office/drawing/2014/main" id="{F60ACED7-8EEF-883E-1C2C-4371F37D6BFD}"/>
-              </a:ext>
-            </a:extLst>
-          </p:cNvPr>
-          <p:cNvCxnSpPr/>
-          <p:nvPr/>
-        </p:nvCxnSpPr>
-        <p:spPr>
-          <a:xfrm flipH="1">
-            <a:off x="8899736" y="3019154"/>
-            <a:ext cx="0" cy="2834640"/>
-          </a:xfrm>
-          <a:prstGeom prst="line">
-            <a:avLst/>
-          </a:prstGeom>
-          <a:ln>
-            <a:solidFill>
-              <a:schemeClr val="bg2"/>
-            </a:solidFill>
-          </a:ln>
-        </p:spPr>
-        <p:style>
-          <a:lnRef idx="1">
-            <a:schemeClr val="accent1"/>
-          </a:lnRef>
-          <a:fillRef idx="0">
-            <a:schemeClr val="accent1"/>
-          </a:fillRef>
-          <a:effectRef idx="0">
-            <a:schemeClr val="accent1"/>
-          </a:effectRef>
-          <a:fontRef idx="minor">
-            <a:schemeClr val="tx1"/>
-          </a:fontRef>
-        </p:style>
-      </p:cxnSp>
       <p:sp>
         <p:nvSpPr>
           <p:cNvPr id="102" name="Text Placeholder 4">
@@ -24403,8 +24271,8 @@
         </p:nvSpPr>
         <p:spPr bwMode="auto">
           <a:xfrm>
-            <a:off x="9016558" y="3107273"/>
-            <a:ext cx="2487738" cy="2876723"/>
+            <a:off x="9090700" y="3107273"/>
+            <a:ext cx="2362798" cy="2876723"/>
           </a:xfrm>
           <a:prstGeom prst="rect">
             <a:avLst/>
@@ -24617,7 +24485,7 @@
                 </a:solidFill>
                 <a:latin typeface="Arial"/>
               </a:rPr>
-              <a:t>Consideration_4_bullets</a:t>
+              <a:t>- Consideration_4_bullets</a:t>
             </a:r>
             <a:endParaRPr kumimoji="0" lang="en-US" sz="1200" i="0" u="none" strike="noStrike" kern="1200" cap="none" spc="0" normalizeH="0" baseline="0" noProof="1">
               <a:ln>
@@ -24666,6 +24534,135 @@
           </a:p>
         </p:txBody>
       </p:sp>
+      <p:cxnSp>
+        <p:nvCxnSpPr>
+          <p:cNvPr id="4" name="Straight Connector 3">
+            <a:extLst>
+              <a:ext uri="{FF2B5EF4-FFF2-40B4-BE49-F238E27FC236}">
+                <a16:creationId xmlns:a16="http://schemas.microsoft.com/office/drawing/2014/main" id="{9A6E4C22-6D53-82B0-AB84-A6ABE51D7BAB}"/>
+              </a:ext>
+            </a:extLst>
+          </p:cNvPr>
+          <p:cNvCxnSpPr>
+            <a:cxnSpLocks/>
+          </p:cNvCxnSpPr>
+          <p:nvPr/>
+        </p:nvCxnSpPr>
+        <p:spPr>
+          <a:xfrm>
+            <a:off x="3311611" y="3116002"/>
+            <a:ext cx="0" cy="3185944"/>
+          </a:xfrm>
+          <a:prstGeom prst="line">
+            <a:avLst/>
+          </a:prstGeom>
+          <a:ln w="9525">
+            <a:solidFill>
+              <a:schemeClr val="bg2"/>
+            </a:solidFill>
+          </a:ln>
+        </p:spPr>
+        <p:style>
+          <a:lnRef idx="1">
+            <a:schemeClr val="accent1"/>
+          </a:lnRef>
+          <a:fillRef idx="0">
+            <a:schemeClr val="accent1"/>
+          </a:fillRef>
+          <a:effectRef idx="0">
+            <a:schemeClr val="accent1"/>
+          </a:effectRef>
+          <a:fontRef idx="minor">
+            <a:schemeClr val="tx1"/>
+          </a:fontRef>
+        </p:style>
+      </p:cxnSp>
+      <p:cxnSp>
+        <p:nvCxnSpPr>
+          <p:cNvPr id="5" name="Straight Connector 4">
+            <a:extLst>
+              <a:ext uri="{FF2B5EF4-FFF2-40B4-BE49-F238E27FC236}">
+                <a16:creationId xmlns:a16="http://schemas.microsoft.com/office/drawing/2014/main" id="{D10F196D-B154-6707-170E-E963FFEFD932}"/>
+              </a:ext>
+            </a:extLst>
+          </p:cNvPr>
+          <p:cNvCxnSpPr>
+            <a:cxnSpLocks/>
+          </p:cNvCxnSpPr>
+          <p:nvPr/>
+        </p:nvCxnSpPr>
+        <p:spPr>
+          <a:xfrm>
+            <a:off x="6076963" y="3116002"/>
+            <a:ext cx="0" cy="3185944"/>
+          </a:xfrm>
+          <a:prstGeom prst="line">
+            <a:avLst/>
+          </a:prstGeom>
+          <a:ln w="9525">
+            <a:solidFill>
+              <a:schemeClr val="bg2"/>
+            </a:solidFill>
+          </a:ln>
+        </p:spPr>
+        <p:style>
+          <a:lnRef idx="1">
+            <a:schemeClr val="accent1"/>
+          </a:lnRef>
+          <a:fillRef idx="0">
+            <a:schemeClr val="accent1"/>
+          </a:fillRef>
+          <a:effectRef idx="0">
+            <a:schemeClr val="accent1"/>
+          </a:effectRef>
+          <a:fontRef idx="minor">
+            <a:schemeClr val="tx1"/>
+          </a:fontRef>
+        </p:style>
+      </p:cxnSp>
+      <p:cxnSp>
+        <p:nvCxnSpPr>
+          <p:cNvPr id="6" name="Straight Connector 5">
+            <a:extLst>
+              <a:ext uri="{FF2B5EF4-FFF2-40B4-BE49-F238E27FC236}">
+                <a16:creationId xmlns:a16="http://schemas.microsoft.com/office/drawing/2014/main" id="{1684A1FB-6B0F-3BEF-98BB-6ED5118DD9CC}"/>
+              </a:ext>
+            </a:extLst>
+          </p:cNvPr>
+          <p:cNvCxnSpPr>
+            <a:cxnSpLocks/>
+          </p:cNvCxnSpPr>
+          <p:nvPr/>
+        </p:nvCxnSpPr>
+        <p:spPr>
+          <a:xfrm>
+            <a:off x="8842315" y="3116002"/>
+            <a:ext cx="0" cy="3185944"/>
+          </a:xfrm>
+          <a:prstGeom prst="line">
+            <a:avLst/>
+          </a:prstGeom>
+          <a:ln w="9525">
+            <a:solidFill>
+              <a:schemeClr val="bg2"/>
+            </a:solidFill>
+          </a:ln>
+        </p:spPr>
+        <p:style>
+          <a:lnRef idx="1">
+            <a:schemeClr val="accent1"/>
+          </a:lnRef>
+          <a:fillRef idx="0">
+            <a:schemeClr val="accent1"/>
+          </a:fillRef>
+          <a:effectRef idx="0">
+            <a:schemeClr val="accent1"/>
+          </a:effectRef>
+          <a:fontRef idx="minor">
+            <a:schemeClr val="tx1"/>
+          </a:fontRef>
+        </p:style>
+      </p:cxnSp>
     </p:spTree>
     <p:extLst>
       <p:ext uri="{BB962C8B-B14F-4D97-AF65-F5344CB8AC3E}">
@@ -26045,34 +26042,6 @@
 </file>
 
 <file path=customXml/item1.xml><?xml version="1.0" encoding="utf-8"?>
-<p:properties xmlns:p="http://schemas.microsoft.com/office/2006/metadata/properties" xmlns:xsi="http://www.w3.org/2001/XMLSchema-instance" xmlns:pc="http://schemas.microsoft.com/office/infopath/2007/PartnerControls">
-  <documentManagement>
-    <TaxCatchAll xmlns="7dce001d-1281-40ee-a1b6-628132495ae2" xsi:nil="true"/>
-    <lcf76f155ced4ddcb4097134ff3c332f xmlns="cfe56dc5-d589-4e55-999a-fdff11c1e771">
-      <Terms xmlns="http://schemas.microsoft.com/office/infopath/2007/PartnerControls"/>
-    </lcf76f155ced4ddcb4097134ff3c332f>
-    <MediaLengthInSeconds xmlns="cfe56dc5-d589-4e55-999a-fdff11c1e771" xsi:nil="true"/>
-    <SharedWithUsers xmlns="7dce001d-1281-40ee-a1b6-628132495ae2">
-      <UserInfo>
-        <DisplayName/>
-        <AccountId xsi:nil="true"/>
-        <AccountType/>
-      </UserInfo>
-    </SharedWithUsers>
-  </documentManagement>
-</p:properties>
-</file>
-
-<file path=customXml/item2.xml><?xml version="1.0" encoding="utf-8"?>
-<?mso-contentType ?>
-<FormTemplates xmlns="http://schemas.microsoft.com/sharepoint/v3/contenttype/forms">
-  <Display>DocumentLibraryForm</Display>
-  <Edit>DocumentLibraryForm</Edit>
-  <New>DocumentLibraryForm</New>
-</FormTemplates>
-</file>
-
-<file path=customXml/item3.xml><?xml version="1.0" encoding="utf-8"?>
 <ct:contentTypeSchema xmlns:ct="http://schemas.microsoft.com/office/2006/metadata/contentType" xmlns:ma="http://schemas.microsoft.com/office/2006/metadata/properties/metaAttributes" ct:_="" ma:_="" ma:contentTypeName="Document" ma:contentTypeID="0x010100EDD1532379E9AA449C2CC87A71750F85" ma:contentTypeVersion="15" ma:contentTypeDescription="Create a new document." ma:contentTypeScope="" ma:versionID="dc75ef2e49a492ba9107a79f8ab73f99">
   <xsd:schema xmlns:xsd="http://www.w3.org/2001/XMLSchema" xmlns:xs="http://www.w3.org/2001/XMLSchema" xmlns:p="http://schemas.microsoft.com/office/2006/metadata/properties" xmlns:ns2="cfe56dc5-d589-4e55-999a-fdff11c1e771" xmlns:ns3="7dce001d-1281-40ee-a1b6-628132495ae2" targetNamespace="http://schemas.microsoft.com/office/2006/metadata/properties" ma:root="true" ma:fieldsID="8eb7d7d17e5aa68397531b663104162b" ns2:_="" ns3:_="">
     <xsd:import namespace="cfe56dc5-d589-4e55-999a-fdff11c1e771"/>
@@ -26307,32 +26276,35 @@
 </ct:contentTypeSchema>
 </file>
 
-<file path=customXml/itemProps1.xml><?xml version="1.0" encoding="utf-8"?>
-<ds:datastoreItem xmlns:ds="http://schemas.openxmlformats.org/officeDocument/2006/customXml" ds:itemID="{B3F3334C-90CB-4618-A027-18A183EDF7A7}">
-  <ds:schemaRefs>
-    <ds:schemaRef ds:uri="http://purl.org/dc/elements/1.1/"/>
-    <ds:schemaRef ds:uri="http://schemas.microsoft.com/office/infopath/2007/PartnerControls"/>
-    <ds:schemaRef ds:uri="http://schemas.microsoft.com/office/2006/metadata/properties"/>
-    <ds:schemaRef ds:uri="http://schemas.openxmlformats.org/package/2006/metadata/core-properties"/>
-    <ds:schemaRef ds:uri="http://schemas.microsoft.com/office/2006/documentManagement/types"/>
-    <ds:schemaRef ds:uri="7dce001d-1281-40ee-a1b6-628132495ae2"/>
-    <ds:schemaRef ds:uri="http://purl.org/dc/dcmitype/"/>
-    <ds:schemaRef ds:uri="cfe56dc5-d589-4e55-999a-fdff11c1e771"/>
-    <ds:schemaRef ds:uri="http://www.w3.org/XML/1998/namespace"/>
-    <ds:schemaRef ds:uri="http://purl.org/dc/terms/"/>
-  </ds:schemaRefs>
-</ds:datastoreItem>
+<file path=customXml/item2.xml><?xml version="1.0" encoding="utf-8"?>
+<?mso-contentType ?>
+<FormTemplates xmlns="http://schemas.microsoft.com/sharepoint/v3/contenttype/forms">
+  <Display>DocumentLibraryForm</Display>
+  <Edit>DocumentLibraryForm</Edit>
+  <New>DocumentLibraryForm</New>
+</FormTemplates>
 </file>
 
-<file path=customXml/itemProps2.xml><?xml version="1.0" encoding="utf-8"?>
-<ds:datastoreItem xmlns:ds="http://schemas.openxmlformats.org/officeDocument/2006/customXml" ds:itemID="{AAAA7F56-A4DC-4563-8E14-69CBBAD0A99E}">
-  <ds:schemaRefs>
-    <ds:schemaRef ds:uri="http://schemas.microsoft.com/sharepoint/v3/contenttype/forms"/>
-  </ds:schemaRefs>
-</ds:datastoreItem>
+<file path=customXml/item3.xml><?xml version="1.0" encoding="utf-8"?>
+<p:properties xmlns:p="http://schemas.microsoft.com/office/2006/metadata/properties" xmlns:xsi="http://www.w3.org/2001/XMLSchema-instance" xmlns:pc="http://schemas.microsoft.com/office/infopath/2007/PartnerControls">
+  <documentManagement>
+    <TaxCatchAll xmlns="7dce001d-1281-40ee-a1b6-628132495ae2" xsi:nil="true"/>
+    <lcf76f155ced4ddcb4097134ff3c332f xmlns="cfe56dc5-d589-4e55-999a-fdff11c1e771">
+      <Terms xmlns="http://schemas.microsoft.com/office/infopath/2007/PartnerControls"/>
+    </lcf76f155ced4ddcb4097134ff3c332f>
+    <MediaLengthInSeconds xmlns="cfe56dc5-d589-4e55-999a-fdff11c1e771" xsi:nil="true"/>
+    <SharedWithUsers xmlns="7dce001d-1281-40ee-a1b6-628132495ae2">
+      <UserInfo>
+        <DisplayName/>
+        <AccountId xsi:nil="true"/>
+        <AccountType/>
+      </UserInfo>
+    </SharedWithUsers>
+  </documentManagement>
+</p:properties>
 </file>
 
-<file path=customXml/itemProps3.xml><?xml version="1.0" encoding="utf-8"?>
+<file path=customXml/itemProps1.xml><?xml version="1.0" encoding="utf-8"?>
 <ds:datastoreItem xmlns:ds="http://schemas.openxmlformats.org/officeDocument/2006/customXml" ds:itemID="{1F612C05-3448-44B8-80E7-AC8DF7E212D2}">
   <ds:schemaRefs>
     <ds:schemaRef ds:uri="7dce001d-1281-40ee-a1b6-628132495ae2"/>
@@ -26349,4 +26321,29 @@
     <ds:schemaRef ds:uri="http://www.w3.org/2001/XMLSchema"/>
   </ds:schemaRefs>
 </ds:datastoreItem>
+</file>
+
+<file path=customXml/itemProps2.xml><?xml version="1.0" encoding="utf-8"?>
+<ds:datastoreItem xmlns:ds="http://schemas.openxmlformats.org/officeDocument/2006/customXml" ds:itemID="{AAAA7F56-A4DC-4563-8E14-69CBBAD0A99E}">
+  <ds:schemaRefs>
+    <ds:schemaRef ds:uri="http://schemas.microsoft.com/sharepoint/v3/contenttype/forms"/>
+  </ds:schemaRefs>
+</ds:datastoreItem>
+</file>
+
+<file path=customXml/itemProps3.xml><?xml version="1.0" encoding="utf-8"?>
+<ds:datastoreItem xmlns:ds="http://schemas.openxmlformats.org/officeDocument/2006/customXml" ds:itemID="{B3F3334C-90CB-4618-A027-18A183EDF7A7}">
+  <ds:schemaRefs>
+    <ds:schemaRef ds:uri="http://purl.org/dc/elements/1.1/"/>
+    <ds:schemaRef ds:uri="http://schemas.microsoft.com/office/infopath/2007/PartnerControls"/>
+    <ds:schemaRef ds:uri="http://schemas.microsoft.com/office/2006/metadata/properties"/>
+    <ds:schemaRef ds:uri="http://schemas.openxmlformats.org/package/2006/metadata/core-properties"/>
+    <ds:schemaRef ds:uri="http://schemas.microsoft.com/office/2006/documentManagement/types"/>
+    <ds:schemaRef ds:uri="7dce001d-1281-40ee-a1b6-628132495ae2"/>
+    <ds:schemaRef ds:uri="http://purl.org/dc/dcmitype/"/>
+    <ds:schemaRef ds:uri="cfe56dc5-d589-4e55-999a-fdff11c1e771"/>
+    <ds:schemaRef ds:uri="http://www.w3.org/XML/1998/namespace"/>
+    <ds:schemaRef ds:uri="http://purl.org/dc/terms/"/>
+  </ds:schemaRefs>
+</ds:datastoreItem>
 </file>
--- a/S1_template.pptx
+++ b/S1_template.pptx
@@ -6021,7 +6021,7 @@
         <p:spPr>
           <a:xfrm>
             <a:off x="7317482" y="4351505"/>
-            <a:ext cx="4753484" cy="259045"/>
+            <a:ext cx="4407481" cy="259045"/>
           </a:xfrm>
           <a:prstGeom prst="rect">
             <a:avLst/>
@@ -6210,8 +6210,8 @@
         </p:nvSpPr>
         <p:spPr>
           <a:xfrm>
-            <a:off x="649631" y="2533334"/>
-            <a:ext cx="2913677" cy="289823"/>
+            <a:off x="649631" y="2533335"/>
+            <a:ext cx="4149188" cy="288304"/>
           </a:xfrm>
           <a:prstGeom prst="rect">
             <a:avLst/>
@@ -6310,7 +6310,7 @@
         <p:spPr>
           <a:xfrm>
             <a:off x="7317482" y="4065666"/>
-            <a:ext cx="2576117" cy="289823"/>
+            <a:ext cx="4066017" cy="289823"/>
           </a:xfrm>
           <a:prstGeom prst="rect">
             <a:avLst/>
@@ -8361,8 +8361,8 @@
         </p:nvSpPr>
         <p:spPr>
           <a:xfrm>
-            <a:off x="7317482" y="1881495"/>
-            <a:ext cx="3330488" cy="504946"/>
+            <a:off x="7317482" y="1807353"/>
+            <a:ext cx="4066018" cy="256289"/>
           </a:xfrm>
           <a:prstGeom prst="rect">
             <a:avLst/>
@@ -8419,39 +8419,6 @@
               <a:t>two</a:t>
             </a:r>
             <a:endParaRPr kumimoji="0" lang="en-US" sz="1600" b="0" i="0" u="none" strike="noStrike" kern="1200" cap="none" spc="0" normalizeH="0" baseline="0" noProof="1">
-              <a:ln>
-                <a:noFill/>
-              </a:ln>
-              <a:solidFill>
-                <a:srgbClr val="FFFFFF"/>
-              </a:solidFill>
-              <a:effectLst/>
-              <a:uLnTx/>
-              <a:uFillTx/>
-              <a:latin typeface="Arial"/>
-              <a:ea typeface="+mn-ea"/>
-              <a:cs typeface="+mn-cs"/>
-            </a:endParaRPr>
-          </a:p>
-          <a:p>
-            <a:pPr marL="12700" marR="5080" lvl="0" indent="0" algn="l" defTabSz="914400" rtl="0" eaLnBrk="1" fontAlgn="auto" latinLnBrk="0" hangingPunct="1">
-              <a:lnSpc>
-                <a:spcPct val="101400"/>
-              </a:lnSpc>
-              <a:spcBef>
-                <a:spcPts val="0"/>
-              </a:spcBef>
-              <a:spcAft>
-                <a:spcPts val="0"/>
-              </a:spcAft>
-              <a:buClrTx/>
-              <a:buSzTx/>
-              <a:buFontTx/>
-              <a:buNone/>
-              <a:tabLst/>
-              <a:defRPr/>
-            </a:pPr>
-            <a:endParaRPr kumimoji="0" lang="en-US" sz="1600" b="0" i="0" u="none" strike="noStrike" kern="1200" cap="none" spc="0" normalizeH="0" baseline="0" noProof="0" dirty="0">
               <a:ln>
                 <a:noFill/>
               </a:ln>
@@ -9140,8 +9107,8 @@
         </p:nvSpPr>
         <p:spPr>
           <a:xfrm>
-            <a:off x="724199" y="2752734"/>
-            <a:ext cx="2367957" cy="338554"/>
+            <a:off x="826791" y="2752734"/>
+            <a:ext cx="2162772" cy="307777"/>
           </a:xfrm>
           <a:prstGeom prst="rect">
             <a:avLst/>
@@ -9172,7 +9139,7 @@
               <a:defRPr/>
             </a:pPr>
             <a:r>
-              <a:rPr kumimoji="0" lang="en-US" sz="1600" b="1" i="0" u="none" strike="noStrike" kern="0" cap="none" spc="300" normalizeH="0" baseline="0" noProof="1">
+              <a:rPr kumimoji="0" lang="en-US" sz="1350" b="1" i="0" u="none" strike="noStrike" kern="0" cap="none" spc="300" normalizeH="0" baseline="0" noProof="1">
                 <a:ln>
                   <a:noFill/>
                 </a:ln>
@@ -9207,8 +9174,8 @@
         </p:nvSpPr>
         <p:spPr bwMode="auto">
           <a:xfrm>
-            <a:off x="757885" y="3107273"/>
-            <a:ext cx="2362798" cy="2876723"/>
+            <a:off x="609600" y="3107273"/>
+            <a:ext cx="2597147" cy="2876723"/>
           </a:xfrm>
           <a:prstGeom prst="rect">
             <a:avLst/>
@@ -9378,11 +9345,20 @@
             </a:lvl9pPr>
           </a:lstStyle>
           <a:p>
-            <a:pPr marL="0" indent="0">
+            <a:pPr marL="0" marR="0" lvl="0" indent="0" algn="l" defTabSz="609585" rtl="0" eaLnBrk="1" fontAlgn="auto" latinLnBrk="0" hangingPunct="1">
+              <a:lnSpc>
+                <a:spcPct val="100000"/>
+              </a:lnSpc>
+              <a:spcBef>
+                <a:spcPct val="20000"/>
+              </a:spcBef>
               <a:spcAft>
                 <a:spcPts val="600"/>
               </a:spcAft>
+              <a:buClrTx/>
+              <a:buSzTx/>
               <a:buNone/>
+              <a:tabLst/>
               <a:defRPr/>
             </a:pPr>
             <a:r>
@@ -9400,7 +9376,7 @@
                 <a:ea typeface="+mn-ea"/>
                 <a:cs typeface="+mn-cs"/>
               </a:rPr>
-              <a:t>- Consideration_1_bullets</a:t>
+              <a:t>Consideration_1_bullets</a:t>
             </a:r>
             <a:endParaRPr kumimoji="0" lang="en-US" sz="1200" i="0" u="none" strike="noStrike" kern="1200" cap="none" spc="0" normalizeH="0" baseline="0" noProof="1">
               <a:ln>
@@ -11109,7 +11085,7 @@
         <p:spPr>
           <a:xfrm>
             <a:off x="5989940" y="2752734"/>
-            <a:ext cx="2931264" cy="338554"/>
+            <a:ext cx="2931264" cy="307777"/>
           </a:xfrm>
           <a:prstGeom prst="rect">
             <a:avLst/>
@@ -11140,7 +11116,7 @@
               <a:defRPr/>
             </a:pPr>
             <a:r>
-              <a:rPr kumimoji="0" lang="en-US" sz="1600" b="1" i="0" u="none" strike="noStrike" kern="0" cap="none" spc="300" normalizeH="0" baseline="0" noProof="1">
+              <a:rPr kumimoji="0" lang="en-US" sz="1350" b="1" i="0" u="none" strike="noStrike" kern="0" cap="none" spc="300" normalizeH="0" baseline="0" noProof="1">
                 <a:ln>
                   <a:noFill/>
                 </a:ln>
@@ -11175,8 +11151,8 @@
         </p:nvSpPr>
         <p:spPr bwMode="auto">
           <a:xfrm>
-            <a:off x="6306520" y="3107273"/>
-            <a:ext cx="2362798" cy="2876723"/>
+            <a:off x="6034666" y="3107273"/>
+            <a:ext cx="2841812" cy="2876723"/>
           </a:xfrm>
           <a:prstGeom prst="rect">
             <a:avLst/>
@@ -11389,7 +11365,7 @@
                 </a:solidFill>
                 <a:latin typeface="Arial"/>
               </a:rPr>
-              <a:t>- Consideration_3_bullets</a:t>
+              <a:t>Consideration_3_bullets</a:t>
             </a:r>
             <a:endParaRPr kumimoji="0" lang="en-US" sz="1200" i="0" u="none" strike="noStrike" kern="1200" cap="none" spc="0" normalizeH="0" baseline="0" noProof="1">
               <a:ln>
@@ -13861,8 +13837,8 @@
         </p:nvSpPr>
         <p:spPr>
           <a:xfrm>
-            <a:off x="3507951" y="2752734"/>
-            <a:ext cx="2367957" cy="338554"/>
+            <a:off x="3610543" y="2752734"/>
+            <a:ext cx="2162772" cy="307777"/>
           </a:xfrm>
           <a:prstGeom prst="rect">
             <a:avLst/>
@@ -13893,7 +13869,7 @@
               <a:defRPr/>
             </a:pPr>
             <a:r>
-              <a:rPr kumimoji="0" lang="en-US" sz="1600" b="1" i="0" u="none" strike="noStrike" kern="0" cap="none" spc="300" normalizeH="0" baseline="0" noProof="1">
+              <a:rPr kumimoji="0" lang="en-US" sz="1350" b="1" i="0" u="none" strike="noStrike" kern="0" cap="none" spc="300" normalizeH="0" baseline="0" noProof="1">
                 <a:ln>
                   <a:noFill/>
                 </a:ln>
@@ -13928,8 +13904,8 @@
         </p:nvSpPr>
         <p:spPr bwMode="auto">
           <a:xfrm>
-            <a:off x="3582865" y="3107631"/>
-            <a:ext cx="2362798" cy="2873369"/>
+            <a:off x="3385153" y="3107631"/>
+            <a:ext cx="2613542" cy="2873369"/>
           </a:xfrm>
           <a:prstGeom prst="rect">
             <a:avLst/>
@@ -14142,7 +14118,7 @@
                 </a:solidFill>
                 <a:latin typeface="Arial"/>
               </a:rPr>
-              <a:t>- Consideration_2_bullets</a:t>
+              <a:t>Consideration_2_bullets</a:t>
             </a:r>
             <a:endParaRPr kumimoji="0" lang="en-US" sz="1200" i="0" u="none" strike="noStrike" kern="1200" cap="none" spc="0" normalizeH="0" baseline="0" noProof="1">
               <a:ln>
@@ -22919,6 +22895,129 @@
           </p:txBody>
         </p:sp>
       </p:grpSp>
+      <p:cxnSp>
+        <p:nvCxnSpPr>
+          <p:cNvPr id="99" name="Straight Connector 98">
+            <a:extLst>
+              <a:ext uri="{FF2B5EF4-FFF2-40B4-BE49-F238E27FC236}">
+                <a16:creationId xmlns:a16="http://schemas.microsoft.com/office/drawing/2014/main" id="{C08FAD34-C09B-81B7-5C97-14089E6EB227}"/>
+              </a:ext>
+            </a:extLst>
+          </p:cNvPr>
+          <p:cNvCxnSpPr/>
+          <p:nvPr/>
+        </p:nvCxnSpPr>
+        <p:spPr>
+          <a:xfrm flipH="1">
+            <a:off x="3267375" y="3019154"/>
+            <a:ext cx="0" cy="2834640"/>
+          </a:xfrm>
+          <a:prstGeom prst="line">
+            <a:avLst/>
+          </a:prstGeom>
+          <a:ln>
+            <a:solidFill>
+              <a:schemeClr val="bg2"/>
+            </a:solidFill>
+          </a:ln>
+        </p:spPr>
+        <p:style>
+          <a:lnRef idx="1">
+            <a:schemeClr val="accent1"/>
+          </a:lnRef>
+          <a:fillRef idx="0">
+            <a:schemeClr val="accent1"/>
+          </a:fillRef>
+          <a:effectRef idx="0">
+            <a:schemeClr val="accent1"/>
+          </a:effectRef>
+          <a:fontRef idx="minor">
+            <a:schemeClr val="tx1"/>
+          </a:fontRef>
+        </p:style>
+      </p:cxnSp>
+      <p:cxnSp>
+        <p:nvCxnSpPr>
+          <p:cNvPr id="100" name="Straight Connector 99">
+            <a:extLst>
+              <a:ext uri="{FF2B5EF4-FFF2-40B4-BE49-F238E27FC236}">
+                <a16:creationId xmlns:a16="http://schemas.microsoft.com/office/drawing/2014/main" id="{8350F660-D48C-5E7F-2FB0-BBDAAFD0959F}"/>
+              </a:ext>
+            </a:extLst>
+          </p:cNvPr>
+          <p:cNvCxnSpPr/>
+          <p:nvPr/>
+        </p:nvCxnSpPr>
+        <p:spPr>
+          <a:xfrm flipH="1">
+            <a:off x="5891308" y="3019154"/>
+            <a:ext cx="0" cy="2834640"/>
+          </a:xfrm>
+          <a:prstGeom prst="line">
+            <a:avLst/>
+          </a:prstGeom>
+          <a:ln>
+            <a:solidFill>
+              <a:schemeClr val="bg2"/>
+            </a:solidFill>
+          </a:ln>
+        </p:spPr>
+        <p:style>
+          <a:lnRef idx="1">
+            <a:schemeClr val="accent1"/>
+          </a:lnRef>
+          <a:fillRef idx="0">
+            <a:schemeClr val="accent1"/>
+          </a:fillRef>
+          <a:effectRef idx="0">
+            <a:schemeClr val="accent1"/>
+          </a:effectRef>
+          <a:fontRef idx="minor">
+            <a:schemeClr val="tx1"/>
+          </a:fontRef>
+        </p:style>
+      </p:cxnSp>
+      <p:cxnSp>
+        <p:nvCxnSpPr>
+          <p:cNvPr id="101" name="Straight Connector 100">
+            <a:extLst>
+              <a:ext uri="{FF2B5EF4-FFF2-40B4-BE49-F238E27FC236}">
+                <a16:creationId xmlns:a16="http://schemas.microsoft.com/office/drawing/2014/main" id="{F60ACED7-8EEF-883E-1C2C-4371F37D6BFD}"/>
+              </a:ext>
+            </a:extLst>
+          </p:cNvPr>
+          <p:cNvCxnSpPr/>
+          <p:nvPr/>
+        </p:nvCxnSpPr>
+        <p:spPr>
+          <a:xfrm flipH="1">
+            <a:off x="8899736" y="3019154"/>
+            <a:ext cx="0" cy="2834640"/>
+          </a:xfrm>
+          <a:prstGeom prst="line">
+            <a:avLst/>
+          </a:prstGeom>
+          <a:ln>
+            <a:solidFill>
+              <a:schemeClr val="bg2"/>
+            </a:solidFill>
+          </a:ln>
+        </p:spPr>
+        <p:style>
+          <a:lnRef idx="1">
+            <a:schemeClr val="accent1"/>
+          </a:lnRef>
+          <a:fillRef idx="0">
+            <a:schemeClr val="accent1"/>
+          </a:fillRef>
+          <a:effectRef idx="0">
+            <a:schemeClr val="accent1"/>
+          </a:effectRef>
+          <a:fontRef idx="minor">
+            <a:schemeClr val="tx1"/>
+          </a:fontRef>
+        </p:style>
+      </p:cxnSp>
       <p:sp>
         <p:nvSpPr>
           <p:cNvPr id="102" name="Text Placeholder 4">
@@ -24204,8 +24303,8 @@
         </p:nvSpPr>
         <p:spPr>
           <a:xfrm>
-            <a:off x="9076453" y="2752734"/>
-            <a:ext cx="2367957" cy="338554"/>
+            <a:off x="9201488" y="2752734"/>
+            <a:ext cx="2117887" cy="300082"/>
           </a:xfrm>
           <a:prstGeom prst="rect">
             <a:avLst/>
@@ -24236,7 +24335,7 @@
               <a:defRPr/>
             </a:pPr>
             <a:r>
-              <a:rPr kumimoji="0" lang="en-US" sz="1600" b="1" i="0" u="none" strike="noStrike" kern="0" cap="none" spc="300" normalizeH="0" baseline="0" noProof="1">
+              <a:rPr kumimoji="0" lang="en-US" sz="1350" b="1" i="0" u="none" strike="noStrike" kern="0" cap="none" spc="300" normalizeH="0" baseline="0" noProof="1">
                 <a:ln>
                   <a:noFill/>
                 </a:ln>
@@ -24271,8 +24370,8 @@
         </p:nvSpPr>
         <p:spPr bwMode="auto">
           <a:xfrm>
-            <a:off x="9090700" y="3107273"/>
-            <a:ext cx="2362798" cy="2876723"/>
+            <a:off x="9016558" y="3107273"/>
+            <a:ext cx="2487738" cy="2876723"/>
           </a:xfrm>
           <a:prstGeom prst="rect">
             <a:avLst/>
@@ -24485,7 +24584,7 @@
                 </a:solidFill>
                 <a:latin typeface="Arial"/>
               </a:rPr>
-              <a:t>- Consideration_4_bullets</a:t>
+              <a:t>Consideration_4_bullets</a:t>
             </a:r>
             <a:endParaRPr kumimoji="0" lang="en-US" sz="1200" i="0" u="none" strike="noStrike" kern="1200" cap="none" spc="0" normalizeH="0" baseline="0" noProof="1">
               <a:ln>
@@ -24534,135 +24633,6 @@
           </a:p>
         </p:txBody>
       </p:sp>
-      <p:cxnSp>
-        <p:nvCxnSpPr>
-          <p:cNvPr id="4" name="Straight Connector 3">
-            <a:extLst>
-              <a:ext uri="{FF2B5EF4-FFF2-40B4-BE49-F238E27FC236}">
-                <a16:creationId xmlns:a16="http://schemas.microsoft.com/office/drawing/2014/main" id="{9A6E4C22-6D53-82B0-AB84-A6ABE51D7BAB}"/>
-              </a:ext>
-            </a:extLst>
-          </p:cNvPr>
-          <p:cNvCxnSpPr>
-            <a:cxnSpLocks/>
-          </p:cNvCxnSpPr>
-          <p:nvPr/>
-        </p:nvCxnSpPr>
-        <p:spPr>
-          <a:xfrm>
-            <a:off x="3311611" y="3116002"/>
-            <a:ext cx="0" cy="3185944"/>
-          </a:xfrm>
-          <a:prstGeom prst="line">
-            <a:avLst/>
-          </a:prstGeom>
-          <a:ln w="9525">
-            <a:solidFill>
-              <a:schemeClr val="bg2"/>
-            </a:solidFill>
-          </a:ln>
-        </p:spPr>
-        <p:style>
-          <a:lnRef idx="1">
-            <a:schemeClr val="accent1"/>
-          </a:lnRef>
-          <a:fillRef idx="0">
-            <a:schemeClr val="accent1"/>
-          </a:fillRef>
-          <a:effectRef idx="0">
-            <a:schemeClr val="accent1"/>
-          </a:effectRef>
-          <a:fontRef idx="minor">
-            <a:schemeClr val="tx1"/>
-          </a:fontRef>
-        </p:style>
-      </p:cxnSp>
-      <p:cxnSp>
-        <p:nvCxnSpPr>
-          <p:cNvPr id="5" name="Straight Connector 4">
-            <a:extLst>
-              <a:ext uri="{FF2B5EF4-FFF2-40B4-BE49-F238E27FC236}">
-                <a16:creationId xmlns:a16="http://schemas.microsoft.com/office/drawing/2014/main" id="{D10F196D-B154-6707-170E-E963FFEFD932}"/>
-              </a:ext>
-            </a:extLst>
-          </p:cNvPr>
-          <p:cNvCxnSpPr>
-            <a:cxnSpLocks/>
-          </p:cNvCxnSpPr>
-          <p:nvPr/>
-        </p:nvCxnSpPr>
-        <p:spPr>
-          <a:xfrm>
-            <a:off x="6076963" y="3116002"/>
-            <a:ext cx="0" cy="3185944"/>
-          </a:xfrm>
-          <a:prstGeom prst="line">
-            <a:avLst/>
-          </a:prstGeom>
-          <a:ln w="9525">
-            <a:solidFill>
-              <a:schemeClr val="bg2"/>
-            </a:solidFill>
-          </a:ln>
-        </p:spPr>
-        <p:style>
-          <a:lnRef idx="1">
-            <a:schemeClr val="accent1"/>
-          </a:lnRef>
-          <a:fillRef idx="0">
-            <a:schemeClr val="accent1"/>
-          </a:fillRef>
-          <a:effectRef idx="0">
-            <a:schemeClr val="accent1"/>
-          </a:effectRef>
-          <a:fontRef idx="minor">
-            <a:schemeClr val="tx1"/>
-          </a:fontRef>
-        </p:style>
-      </p:cxnSp>
-      <p:cxnSp>
-        <p:nvCxnSpPr>
-          <p:cNvPr id="6" name="Straight Connector 5">
-            <a:extLst>
-              <a:ext uri="{FF2B5EF4-FFF2-40B4-BE49-F238E27FC236}">
-                <a16:creationId xmlns:a16="http://schemas.microsoft.com/office/drawing/2014/main" id="{1684A1FB-6B0F-3BEF-98BB-6ED5118DD9CC}"/>
-              </a:ext>
-            </a:extLst>
-          </p:cNvPr>
-          <p:cNvCxnSpPr>
-            <a:cxnSpLocks/>
-          </p:cNvCxnSpPr>
-          <p:nvPr/>
-        </p:nvCxnSpPr>
-        <p:spPr>
-          <a:xfrm>
-            <a:off x="8842315" y="3116002"/>
-            <a:ext cx="0" cy="3185944"/>
-          </a:xfrm>
-          <a:prstGeom prst="line">
-            <a:avLst/>
-          </a:prstGeom>
-          <a:ln w="9525">
-            <a:solidFill>
-              <a:schemeClr val="bg2"/>
-            </a:solidFill>
-          </a:ln>
-        </p:spPr>
-        <p:style>
-          <a:lnRef idx="1">
-            <a:schemeClr val="accent1"/>
-          </a:lnRef>
-          <a:fillRef idx="0">
-            <a:schemeClr val="accent1"/>
-          </a:fillRef>
-          <a:effectRef idx="0">
-            <a:schemeClr val="accent1"/>
-          </a:effectRef>
-          <a:fontRef idx="minor">
-            <a:schemeClr val="tx1"/>
-          </a:fontRef>
-        </p:style>
-      </p:cxnSp>
     </p:spTree>
     <p:extLst>
       <p:ext uri="{BB962C8B-B14F-4D97-AF65-F5344CB8AC3E}">
@@ -26042,6 +26012,34 @@
 </file>
 
 <file path=customXml/item1.xml><?xml version="1.0" encoding="utf-8"?>
+<p:properties xmlns:p="http://schemas.microsoft.com/office/2006/metadata/properties" xmlns:xsi="http://www.w3.org/2001/XMLSchema-instance" xmlns:pc="http://schemas.microsoft.com/office/infopath/2007/PartnerControls">
+  <documentManagement>
+    <TaxCatchAll xmlns="7dce001d-1281-40ee-a1b6-628132495ae2" xsi:nil="true"/>
+    <lcf76f155ced4ddcb4097134ff3c332f xmlns="cfe56dc5-d589-4e55-999a-fdff11c1e771">
+      <Terms xmlns="http://schemas.microsoft.com/office/infopath/2007/PartnerControls"/>
+    </lcf76f155ced4ddcb4097134ff3c332f>
+    <MediaLengthInSeconds xmlns="cfe56dc5-d589-4e55-999a-fdff11c1e771" xsi:nil="true"/>
+    <SharedWithUsers xmlns="7dce001d-1281-40ee-a1b6-628132495ae2">
+      <UserInfo>
+        <DisplayName/>
+        <AccountId xsi:nil="true"/>
+        <AccountType/>
+      </UserInfo>
+    </SharedWithUsers>
+  </documentManagement>
+</p:properties>
+</file>
+
+<file path=customXml/item2.xml><?xml version="1.0" encoding="utf-8"?>
+<?mso-contentType ?>
+<FormTemplates xmlns="http://schemas.microsoft.com/sharepoint/v3/contenttype/forms">
+  <Display>DocumentLibraryForm</Display>
+  <Edit>DocumentLibraryForm</Edit>
+  <New>DocumentLibraryForm</New>
+</FormTemplates>
+</file>
+
+<file path=customXml/item3.xml><?xml version="1.0" encoding="utf-8"?>
 <ct:contentTypeSchema xmlns:ct="http://schemas.microsoft.com/office/2006/metadata/contentType" xmlns:ma="http://schemas.microsoft.com/office/2006/metadata/properties/metaAttributes" ct:_="" ma:_="" ma:contentTypeName="Document" ma:contentTypeID="0x010100EDD1532379E9AA449C2CC87A71750F85" ma:contentTypeVersion="15" ma:contentTypeDescription="Create a new document." ma:contentTypeScope="" ma:versionID="dc75ef2e49a492ba9107a79f8ab73f99">
   <xsd:schema xmlns:xsd="http://www.w3.org/2001/XMLSchema" xmlns:xs="http://www.w3.org/2001/XMLSchema" xmlns:p="http://schemas.microsoft.com/office/2006/metadata/properties" xmlns:ns2="cfe56dc5-d589-4e55-999a-fdff11c1e771" xmlns:ns3="7dce001d-1281-40ee-a1b6-628132495ae2" targetNamespace="http://schemas.microsoft.com/office/2006/metadata/properties" ma:root="true" ma:fieldsID="8eb7d7d17e5aa68397531b663104162b" ns2:_="" ns3:_="">
     <xsd:import namespace="cfe56dc5-d589-4e55-999a-fdff11c1e771"/>
@@ -26276,35 +26274,32 @@
 </ct:contentTypeSchema>
 </file>
 
-<file path=customXml/item2.xml><?xml version="1.0" encoding="utf-8"?>
-<?mso-contentType ?>
-<FormTemplates xmlns="http://schemas.microsoft.com/sharepoint/v3/contenttype/forms">
-  <Display>DocumentLibraryForm</Display>
-  <Edit>DocumentLibraryForm</Edit>
-  <New>DocumentLibraryForm</New>
-</FormTemplates>
+<file path=customXml/itemProps1.xml><?xml version="1.0" encoding="utf-8"?>
+<ds:datastoreItem xmlns:ds="http://schemas.openxmlformats.org/officeDocument/2006/customXml" ds:itemID="{B3F3334C-90CB-4618-A027-18A183EDF7A7}">
+  <ds:schemaRefs>
+    <ds:schemaRef ds:uri="http://purl.org/dc/elements/1.1/"/>
+    <ds:schemaRef ds:uri="http://schemas.microsoft.com/office/infopath/2007/PartnerControls"/>
+    <ds:schemaRef ds:uri="http://schemas.microsoft.com/office/2006/metadata/properties"/>
+    <ds:schemaRef ds:uri="http://schemas.openxmlformats.org/package/2006/metadata/core-properties"/>
+    <ds:schemaRef ds:uri="http://schemas.microsoft.com/office/2006/documentManagement/types"/>
+    <ds:schemaRef ds:uri="7dce001d-1281-40ee-a1b6-628132495ae2"/>
+    <ds:schemaRef ds:uri="http://purl.org/dc/dcmitype/"/>
+    <ds:schemaRef ds:uri="cfe56dc5-d589-4e55-999a-fdff11c1e771"/>
+    <ds:schemaRef ds:uri="http://www.w3.org/XML/1998/namespace"/>
+    <ds:schemaRef ds:uri="http://purl.org/dc/terms/"/>
+  </ds:schemaRefs>
+</ds:datastoreItem>
 </file>
 
-<file path=customXml/item3.xml><?xml version="1.0" encoding="utf-8"?>
-<p:properties xmlns:p="http://schemas.microsoft.com/office/2006/metadata/properties" xmlns:xsi="http://www.w3.org/2001/XMLSchema-instance" xmlns:pc="http://schemas.microsoft.com/office/infopath/2007/PartnerControls">
-  <documentManagement>
-    <TaxCatchAll xmlns="7dce001d-1281-40ee-a1b6-628132495ae2" xsi:nil="true"/>
-    <lcf76f155ced4ddcb4097134ff3c332f xmlns="cfe56dc5-d589-4e55-999a-fdff11c1e771">
-      <Terms xmlns="http://schemas.microsoft.com/office/infopath/2007/PartnerControls"/>
-    </lcf76f155ced4ddcb4097134ff3c332f>
-    <MediaLengthInSeconds xmlns="cfe56dc5-d589-4e55-999a-fdff11c1e771" xsi:nil="true"/>
-    <SharedWithUsers xmlns="7dce001d-1281-40ee-a1b6-628132495ae2">
-      <UserInfo>
-        <DisplayName/>
-        <AccountId xsi:nil="true"/>
-        <AccountType/>
-      </UserInfo>
-    </SharedWithUsers>
-  </documentManagement>
-</p:properties>
+<file path=customXml/itemProps2.xml><?xml version="1.0" encoding="utf-8"?>
+<ds:datastoreItem xmlns:ds="http://schemas.openxmlformats.org/officeDocument/2006/customXml" ds:itemID="{AAAA7F56-A4DC-4563-8E14-69CBBAD0A99E}">
+  <ds:schemaRefs>
+    <ds:schemaRef ds:uri="http://schemas.microsoft.com/sharepoint/v3/contenttype/forms"/>
+  </ds:schemaRefs>
+</ds:datastoreItem>
 </file>
 
-<file path=customXml/itemProps1.xml><?xml version="1.0" encoding="utf-8"?>
+<file path=customXml/itemProps3.xml><?xml version="1.0" encoding="utf-8"?>
 <ds:datastoreItem xmlns:ds="http://schemas.openxmlformats.org/officeDocument/2006/customXml" ds:itemID="{1F612C05-3448-44B8-80E7-AC8DF7E212D2}">
   <ds:schemaRefs>
     <ds:schemaRef ds:uri="7dce001d-1281-40ee-a1b6-628132495ae2"/>
@@ -26321,29 +26316,4 @@
     <ds:schemaRef ds:uri="http://www.w3.org/2001/XMLSchema"/>
   </ds:schemaRefs>
 </ds:datastoreItem>
-</file>
-
-<file path=customXml/itemProps2.xml><?xml version="1.0" encoding="utf-8"?>
-<ds:datastoreItem xmlns:ds="http://schemas.openxmlformats.org/officeDocument/2006/customXml" ds:itemID="{AAAA7F56-A4DC-4563-8E14-69CBBAD0A99E}">
-  <ds:schemaRefs>
-    <ds:schemaRef ds:uri="http://schemas.microsoft.com/sharepoint/v3/contenttype/forms"/>
-  </ds:schemaRefs>
-</ds:datastoreItem>
-</file>
-
-<file path=customXml/itemProps3.xml><?xml version="1.0" encoding="utf-8"?>
-<ds:datastoreItem xmlns:ds="http://schemas.openxmlformats.org/officeDocument/2006/customXml" ds:itemID="{B3F3334C-90CB-4618-A027-18A183EDF7A7}">
-  <ds:schemaRefs>
-    <ds:schemaRef ds:uri="http://purl.org/dc/elements/1.1/"/>
-    <ds:schemaRef ds:uri="http://schemas.microsoft.com/office/infopath/2007/PartnerControls"/>
-    <ds:schemaRef ds:uri="http://schemas.microsoft.com/office/2006/metadata/properties"/>
-    <ds:schemaRef ds:uri="http://schemas.openxmlformats.org/package/2006/metadata/core-properties"/>
-    <ds:schemaRef ds:uri="http://schemas.microsoft.com/office/2006/documentManagement/types"/>
-    <ds:schemaRef ds:uri="7dce001d-1281-40ee-a1b6-628132495ae2"/>
-    <ds:schemaRef ds:uri="http://purl.org/dc/dcmitype/"/>
-    <ds:schemaRef ds:uri="cfe56dc5-d589-4e55-999a-fdff11c1e771"/>
-    <ds:schemaRef ds:uri="http://www.w3.org/XML/1998/namespace"/>
-    <ds:schemaRef ds:uri="http://purl.org/dc/terms/"/>
-  </ds:schemaRefs>
-</ds:datastoreItem>
 </file>